--- a/Presentazione.pptx
+++ b/Presentazione.pptx
@@ -7,7 +7,7 @@
   <p:sldIdLst>
     <p:sldId id="256" r:id="rId2"/>
     <p:sldId id="257" r:id="rId3"/>
-    <p:sldId id="258" r:id="rId4"/>
+    <p:sldId id="262" r:id="rId4"/>
     <p:sldId id="259" r:id="rId5"/>
     <p:sldId id="261" r:id="rId6"/>
     <p:sldId id="260" r:id="rId7"/>
@@ -109,13 +109,18 @@
       </a:defRPr>
     </a:lvl9pPr>
   </p:defaultTextStyle>
+  <p:extLst>
+    <p:ext uri="{EFAFB233-063F-42B5-8137-9DF3F51BA10A}">
+      <p15:sldGuideLst xmlns:p15="http://schemas.microsoft.com/office/powerpoint/2012/main"/>
+    </p:ext>
+  </p:extLst>
 </p:presentation>
 </file>
 
 <file path=ppt/revisionInfo.xml><?xml version="1.0" encoding="utf-8"?>
 <p1510:revInfo xmlns:a="http://schemas.openxmlformats.org/drawingml/2006/main" xmlns:r="http://schemas.openxmlformats.org/officeDocument/2006/relationships" xmlns:p1510="http://schemas.microsoft.com/office/powerpoint/2015/10/main">
   <p1510:revLst>
-    <p1510:client id="{0E42CAE1-F7F5-4FB3-BD0A-CF690EFE2867}" v="78" dt="2022-11-24T10:02:55.194"/>
+    <p1510:client id="{0E42CAE1-F7F5-4FB3-BD0A-CF690EFE2867}" v="84" dt="2022-12-05T11:51:06.047"/>
   </p1510:revLst>
 </p1510:revInfo>
 </file>
@@ -124,20 +129,28 @@
 <pc:chgInfo xmlns:a="http://schemas.openxmlformats.org/drawingml/2006/main" xmlns:r="http://schemas.openxmlformats.org/officeDocument/2006/relationships" xmlns:ac="http://schemas.microsoft.com/office/drawing/2013/main/command" xmlns:pc="http://schemas.microsoft.com/office/powerpoint/2013/main/command">
   <pc:docChgLst>
     <pc:chgData name="orlando bohrer" userId="6516a393efc9cfb3" providerId="LiveId" clId="{0E42CAE1-F7F5-4FB3-BD0A-CF690EFE2867}"/>
-    <pc:docChg chg="undo custSel addSld modSld sldOrd modMainMaster">
-      <pc:chgData name="orlando bohrer" userId="6516a393efc9cfb3" providerId="LiveId" clId="{0E42CAE1-F7F5-4FB3-BD0A-CF690EFE2867}" dt="2022-11-24T10:43:13.223" v="391" actId="20577"/>
+    <pc:docChg chg="undo custSel addSld delSld modSld sldOrd modMainMaster">
+      <pc:chgData name="orlando bohrer" userId="6516a393efc9cfb3" providerId="LiveId" clId="{0E42CAE1-F7F5-4FB3-BD0A-CF690EFE2867}" dt="2022-12-05T12:55:09.564" v="581" actId="20577"/>
       <pc:docMkLst>
         <pc:docMk/>
       </pc:docMkLst>
-      <pc:sldChg chg="setBg">
-        <pc:chgData name="orlando bohrer" userId="6516a393efc9cfb3" providerId="LiveId" clId="{0E42CAE1-F7F5-4FB3-BD0A-CF690EFE2867}" dt="2022-11-24T10:01:58.512" v="108"/>
+      <pc:sldChg chg="modSp mod setBg">
+        <pc:chgData name="orlando bohrer" userId="6516a393efc9cfb3" providerId="LiveId" clId="{0E42CAE1-F7F5-4FB3-BD0A-CF690EFE2867}" dt="2022-11-28T12:42:24.177" v="393" actId="1076"/>
         <pc:sldMkLst>
           <pc:docMk/>
           <pc:sldMk cId="2583089332" sldId="256"/>
         </pc:sldMkLst>
+        <pc:picChg chg="mod">
+          <ac:chgData name="orlando bohrer" userId="6516a393efc9cfb3" providerId="LiveId" clId="{0E42CAE1-F7F5-4FB3-BD0A-CF690EFE2867}" dt="2022-11-28T12:42:24.177" v="393" actId="1076"/>
+          <ac:picMkLst>
+            <pc:docMk/>
+            <pc:sldMk cId="2583089332" sldId="256"/>
+            <ac:picMk id="4" creationId="{EDAD4EC5-69DE-4D76-179B-C50313173DFD}"/>
+          </ac:picMkLst>
+        </pc:picChg>
       </pc:sldChg>
       <pc:sldChg chg="modSp mod">
-        <pc:chgData name="orlando bohrer" userId="6516a393efc9cfb3" providerId="LiveId" clId="{0E42CAE1-F7F5-4FB3-BD0A-CF690EFE2867}" dt="2022-11-24T10:36:27.224" v="361" actId="2711"/>
+        <pc:chgData name="orlando bohrer" userId="6516a393efc9cfb3" providerId="LiveId" clId="{0E42CAE1-F7F5-4FB3-BD0A-CF690EFE2867}" dt="2022-12-05T11:46:09.323" v="435" actId="20577"/>
         <pc:sldMkLst>
           <pc:docMk/>
           <pc:sldMk cId="3886529070" sldId="257"/>
@@ -151,7 +164,7 @@
           </ac:spMkLst>
         </pc:spChg>
         <pc:spChg chg="mod">
-          <ac:chgData name="orlando bohrer" userId="6516a393efc9cfb3" providerId="LiveId" clId="{0E42CAE1-F7F5-4FB3-BD0A-CF690EFE2867}" dt="2022-11-24T10:36:27.224" v="361" actId="2711"/>
+          <ac:chgData name="orlando bohrer" userId="6516a393efc9cfb3" providerId="LiveId" clId="{0E42CAE1-F7F5-4FB3-BD0A-CF690EFE2867}" dt="2022-12-05T11:46:09.323" v="435" actId="20577"/>
           <ac:spMkLst>
             <pc:docMk/>
             <pc:sldMk cId="3886529070" sldId="257"/>
@@ -159,8 +172,8 @@
           </ac:spMkLst>
         </pc:spChg>
       </pc:sldChg>
-      <pc:sldChg chg="addSp delSp modSp mod setBg modClrScheme chgLayout">
-        <pc:chgData name="orlando bohrer" userId="6516a393efc9cfb3" providerId="LiveId" clId="{0E42CAE1-F7F5-4FB3-BD0A-CF690EFE2867}" dt="2022-11-24T10:36:42.720" v="364" actId="20577"/>
+      <pc:sldChg chg="addSp delSp modSp del mod setBg modClrScheme chgLayout">
+        <pc:chgData name="orlando bohrer" userId="6516a393efc9cfb3" providerId="LiveId" clId="{0E42CAE1-F7F5-4FB3-BD0A-CF690EFE2867}" dt="2022-12-05T11:52:30.935" v="459" actId="2696"/>
         <pc:sldMkLst>
           <pc:docMk/>
           <pc:sldMk cId="1661208922" sldId="258"/>
@@ -187,6 +200,14 @@
             <pc:docMk/>
             <pc:sldMk cId="1661208922" sldId="258"/>
             <ac:spMk id="4" creationId="{10A413BE-CE14-2999-C947-18E6D43843FF}"/>
+          </ac:spMkLst>
+        </pc:spChg>
+        <pc:spChg chg="add mod">
+          <ac:chgData name="orlando bohrer" userId="6516a393efc9cfb3" providerId="LiveId" clId="{0E42CAE1-F7F5-4FB3-BD0A-CF690EFE2867}" dt="2022-12-05T11:47:27.168" v="438" actId="5793"/>
+          <ac:spMkLst>
+            <pc:docMk/>
+            <pc:sldMk cId="1661208922" sldId="258"/>
+            <ac:spMk id="4" creationId="{C1BEB99E-BCC6-2BDC-4C33-F306CA47E9C4}"/>
           </ac:spMkLst>
         </pc:spChg>
         <pc:spChg chg="add del mod ord">
@@ -230,7 +251,7 @@
           </ac:picMkLst>
         </pc:picChg>
         <pc:picChg chg="add mod">
-          <ac:chgData name="orlando bohrer" userId="6516a393efc9cfb3" providerId="LiveId" clId="{0E42CAE1-F7F5-4FB3-BD0A-CF690EFE2867}" dt="2022-11-24T09:59:54.689" v="34" actId="14100"/>
+          <ac:chgData name="orlando bohrer" userId="6516a393efc9cfb3" providerId="LiveId" clId="{0E42CAE1-F7F5-4FB3-BD0A-CF690EFE2867}" dt="2022-12-05T11:47:22.312" v="437" actId="14100"/>
           <ac:picMkLst>
             <pc:docMk/>
             <pc:sldMk cId="1661208922" sldId="258"/>
@@ -253,8 +274,8 @@
             <ac:picMk id="17" creationId="{558A0F2C-B7CA-3256-3BDA-812D4C851E09}"/>
           </ac:picMkLst>
         </pc:picChg>
-        <pc:picChg chg="add mod">
-          <ac:chgData name="orlando bohrer" userId="6516a393efc9cfb3" providerId="LiveId" clId="{0E42CAE1-F7F5-4FB3-BD0A-CF690EFE2867}" dt="2022-11-24T10:03:05.370" v="114" actId="14100"/>
+        <pc:picChg chg="add del mod">
+          <ac:chgData name="orlando bohrer" userId="6516a393efc9cfb3" providerId="LiveId" clId="{0E42CAE1-F7F5-4FB3-BD0A-CF690EFE2867}" dt="2022-12-05T11:47:17.243" v="436" actId="478"/>
           <ac:picMkLst>
             <pc:docMk/>
             <pc:sldMk cId="1661208922" sldId="258"/>
@@ -263,13 +284,13 @@
         </pc:picChg>
       </pc:sldChg>
       <pc:sldChg chg="modSp mod">
-        <pc:chgData name="orlando bohrer" userId="6516a393efc9cfb3" providerId="LiveId" clId="{0E42CAE1-F7F5-4FB3-BD0A-CF690EFE2867}" dt="2022-11-24T10:37:01.454" v="366" actId="2711"/>
+        <pc:chgData name="orlando bohrer" userId="6516a393efc9cfb3" providerId="LiveId" clId="{0E42CAE1-F7F5-4FB3-BD0A-CF690EFE2867}" dt="2022-12-05T12:19:42.188" v="561" actId="20577"/>
         <pc:sldMkLst>
           <pc:docMk/>
           <pc:sldMk cId="3389366456" sldId="259"/>
         </pc:sldMkLst>
         <pc:spChg chg="mod">
-          <ac:chgData name="orlando bohrer" userId="6516a393efc9cfb3" providerId="LiveId" clId="{0E42CAE1-F7F5-4FB3-BD0A-CF690EFE2867}" dt="2022-11-24T10:36:55.518" v="365" actId="2711"/>
+          <ac:chgData name="orlando bohrer" userId="6516a393efc9cfb3" providerId="LiveId" clId="{0E42CAE1-F7F5-4FB3-BD0A-CF690EFE2867}" dt="2022-12-05T12:17:31.028" v="461" actId="20577"/>
           <ac:spMkLst>
             <pc:docMk/>
             <pc:sldMk cId="3389366456" sldId="259"/>
@@ -277,7 +298,7 @@
           </ac:spMkLst>
         </pc:spChg>
         <pc:spChg chg="mod">
-          <ac:chgData name="orlando bohrer" userId="6516a393efc9cfb3" providerId="LiveId" clId="{0E42CAE1-F7F5-4FB3-BD0A-CF690EFE2867}" dt="2022-11-24T10:37:01.454" v="366" actId="2711"/>
+          <ac:chgData name="orlando bohrer" userId="6516a393efc9cfb3" providerId="LiveId" clId="{0E42CAE1-F7F5-4FB3-BD0A-CF690EFE2867}" dt="2022-12-05T12:19:42.188" v="561" actId="20577"/>
           <ac:spMkLst>
             <pc:docMk/>
             <pc:sldMk cId="3389366456" sldId="259"/>
@@ -286,34 +307,136 @@
         </pc:spChg>
       </pc:sldChg>
       <pc:sldChg chg="modSp mod">
-        <pc:chgData name="orlando bohrer" userId="6516a393efc9cfb3" providerId="LiveId" clId="{0E42CAE1-F7F5-4FB3-BD0A-CF690EFE2867}" dt="2022-11-24T10:38:37.124" v="374" actId="20577"/>
+        <pc:chgData name="orlando bohrer" userId="6516a393efc9cfb3" providerId="LiveId" clId="{0E42CAE1-F7F5-4FB3-BD0A-CF690EFE2867}" dt="2022-12-05T12:55:09.564" v="581" actId="20577"/>
         <pc:sldMkLst>
           <pc:docMk/>
           <pc:sldMk cId="2930733910" sldId="260"/>
         </pc:sldMkLst>
         <pc:spChg chg="mod">
-          <ac:chgData name="orlando bohrer" userId="6516a393efc9cfb3" providerId="LiveId" clId="{0E42CAE1-F7F5-4FB3-BD0A-CF690EFE2867}" dt="2022-11-24T10:38:37.124" v="374" actId="20577"/>
+          <ac:chgData name="orlando bohrer" userId="6516a393efc9cfb3" providerId="LiveId" clId="{0E42CAE1-F7F5-4FB3-BD0A-CF690EFE2867}" dt="2022-12-05T12:17:52.926" v="481" actId="20577"/>
           <ac:spMkLst>
             <pc:docMk/>
             <pc:sldMk cId="2930733910" sldId="260"/>
             <ac:spMk id="2" creationId="{879831E4-11E3-5912-4DA5-3877ED87C2C8}"/>
           </ac:spMkLst>
         </pc:spChg>
+        <pc:spChg chg="mod">
+          <ac:chgData name="orlando bohrer" userId="6516a393efc9cfb3" providerId="LiveId" clId="{0E42CAE1-F7F5-4FB3-BD0A-CF690EFE2867}" dt="2022-12-05T12:55:09.564" v="581" actId="20577"/>
+          <ac:spMkLst>
+            <pc:docMk/>
+            <pc:sldMk cId="2930733910" sldId="260"/>
+            <ac:spMk id="3" creationId="{F968FC28-8D72-8F4D-8610-D4F615127428}"/>
+          </ac:spMkLst>
+        </pc:spChg>
       </pc:sldChg>
-      <pc:sldChg chg="modSp new mod ord">
-        <pc:chgData name="orlando bohrer" userId="6516a393efc9cfb3" providerId="LiveId" clId="{0E42CAE1-F7F5-4FB3-BD0A-CF690EFE2867}" dt="2022-11-24T10:43:13.223" v="391" actId="20577"/>
+      <pc:sldChg chg="addSp delSp modSp new mod ord">
+        <pc:chgData name="orlando bohrer" userId="6516a393efc9cfb3" providerId="LiveId" clId="{0E42CAE1-F7F5-4FB3-BD0A-CF690EFE2867}" dt="2022-11-28T13:15:48.252" v="421" actId="931"/>
         <pc:sldMkLst>
           <pc:docMk/>
           <pc:sldMk cId="2961776340" sldId="261"/>
         </pc:sldMkLst>
         <pc:spChg chg="mod">
-          <ac:chgData name="orlando bohrer" userId="6516a393efc9cfb3" providerId="LiveId" clId="{0E42CAE1-F7F5-4FB3-BD0A-CF690EFE2867}" dt="2022-11-24T10:43:13.223" v="391" actId="20577"/>
+          <ac:chgData name="orlando bohrer" userId="6516a393efc9cfb3" providerId="LiveId" clId="{0E42CAE1-F7F5-4FB3-BD0A-CF690EFE2867}" dt="2022-11-28T13:09:30.202" v="415" actId="20577"/>
           <ac:spMkLst>
             <pc:docMk/>
             <pc:sldMk cId="2961776340" sldId="261"/>
             <ac:spMk id="2" creationId="{4903FE1D-2ABC-35D3-B12A-66CDE5013EAE}"/>
           </ac:spMkLst>
         </pc:spChg>
+        <pc:spChg chg="add del">
+          <ac:chgData name="orlando bohrer" userId="6516a393efc9cfb3" providerId="LiveId" clId="{0E42CAE1-F7F5-4FB3-BD0A-CF690EFE2867}" dt="2022-11-28T13:12:42.790" v="418" actId="931"/>
+          <ac:spMkLst>
+            <pc:docMk/>
+            <pc:sldMk cId="2961776340" sldId="261"/>
+            <ac:spMk id="3" creationId="{0E178E53-DB48-D275-D32D-38901853E702}"/>
+          </ac:spMkLst>
+        </pc:spChg>
+        <pc:spChg chg="add del mod">
+          <ac:chgData name="orlando bohrer" userId="6516a393efc9cfb3" providerId="LiveId" clId="{0E42CAE1-F7F5-4FB3-BD0A-CF690EFE2867}" dt="2022-11-28T13:15:48.252" v="421" actId="931"/>
+          <ac:spMkLst>
+            <pc:docMk/>
+            <pc:sldMk cId="2961776340" sldId="261"/>
+            <ac:spMk id="8" creationId="{5F6884D9-C7B9-CB73-5F3B-4EF2A100F6C8}"/>
+          </ac:spMkLst>
+        </pc:spChg>
+        <pc:graphicFrameChg chg="add del mod">
+          <ac:chgData name="orlando bohrer" userId="6516a393efc9cfb3" providerId="LiveId" clId="{0E42CAE1-F7F5-4FB3-BD0A-CF690EFE2867}" dt="2022-11-28T13:10:37.481" v="417"/>
+          <ac:graphicFrameMkLst>
+            <pc:docMk/>
+            <pc:sldMk cId="2961776340" sldId="261"/>
+            <ac:graphicFrameMk id="4" creationId="{B39AA7A9-7F01-06F5-B835-C8686C41AE38}"/>
+          </ac:graphicFrameMkLst>
+        </pc:graphicFrameChg>
+        <pc:picChg chg="add del mod">
+          <ac:chgData name="orlando bohrer" userId="6516a393efc9cfb3" providerId="LiveId" clId="{0E42CAE1-F7F5-4FB3-BD0A-CF690EFE2867}" dt="2022-11-28T13:15:43.798" v="420" actId="478"/>
+          <ac:picMkLst>
+            <pc:docMk/>
+            <pc:sldMk cId="2961776340" sldId="261"/>
+            <ac:picMk id="6" creationId="{3675F8A4-0FF8-9424-FDC8-AAD02BC0DEAB}"/>
+          </ac:picMkLst>
+        </pc:picChg>
+        <pc:picChg chg="add mod">
+          <ac:chgData name="orlando bohrer" userId="6516a393efc9cfb3" providerId="LiveId" clId="{0E42CAE1-F7F5-4FB3-BD0A-CF690EFE2867}" dt="2022-11-28T13:15:48.252" v="421" actId="931"/>
+          <ac:picMkLst>
+            <pc:docMk/>
+            <pc:sldMk cId="2961776340" sldId="261"/>
+            <ac:picMk id="10" creationId="{33AED500-2F01-6F03-FFF4-FFA78BEA07A2}"/>
+          </ac:picMkLst>
+        </pc:picChg>
+      </pc:sldChg>
+      <pc:sldChg chg="addSp delSp modSp new mod">
+        <pc:chgData name="orlando bohrer" userId="6516a393efc9cfb3" providerId="LiveId" clId="{0E42CAE1-F7F5-4FB3-BD0A-CF690EFE2867}" dt="2022-12-05T11:52:14.769" v="458" actId="14100"/>
+        <pc:sldMkLst>
+          <pc:docMk/>
+          <pc:sldMk cId="2669345787" sldId="262"/>
+        </pc:sldMkLst>
+        <pc:spChg chg="mod">
+          <ac:chgData name="orlando bohrer" userId="6516a393efc9cfb3" providerId="LiveId" clId="{0E42CAE1-F7F5-4FB3-BD0A-CF690EFE2867}" dt="2022-12-05T11:51:33.923" v="454" actId="20577"/>
+          <ac:spMkLst>
+            <pc:docMk/>
+            <pc:sldMk cId="2669345787" sldId="262"/>
+            <ac:spMk id="2" creationId="{0BC7397E-EBB5-0CE0-CAE7-CD73AE7C63AC}"/>
+          </ac:spMkLst>
+        </pc:spChg>
+        <pc:spChg chg="del">
+          <ac:chgData name="orlando bohrer" userId="6516a393efc9cfb3" providerId="LiveId" clId="{0E42CAE1-F7F5-4FB3-BD0A-CF690EFE2867}" dt="2022-12-05T11:51:01.509" v="440" actId="931"/>
+          <ac:spMkLst>
+            <pc:docMk/>
+            <pc:sldMk cId="2669345787" sldId="262"/>
+            <ac:spMk id="3" creationId="{DD8B0E6F-3B2F-8D5D-21F6-7D59C9FAD2F1}"/>
+          </ac:spMkLst>
+        </pc:spChg>
+        <pc:spChg chg="del">
+          <ac:chgData name="orlando bohrer" userId="6516a393efc9cfb3" providerId="LiveId" clId="{0E42CAE1-F7F5-4FB3-BD0A-CF690EFE2867}" dt="2022-12-05T11:51:06.047" v="443" actId="931"/>
+          <ac:spMkLst>
+            <pc:docMk/>
+            <pc:sldMk cId="2669345787" sldId="262"/>
+            <ac:spMk id="4" creationId="{349DC190-A2FA-5270-76DE-48DE8584CE65}"/>
+          </ac:spMkLst>
+        </pc:spChg>
+        <pc:picChg chg="add mod">
+          <ac:chgData name="orlando bohrer" userId="6516a393efc9cfb3" providerId="LiveId" clId="{0E42CAE1-F7F5-4FB3-BD0A-CF690EFE2867}" dt="2022-12-05T11:51:49.726" v="456" actId="1076"/>
+          <ac:picMkLst>
+            <pc:docMk/>
+            <pc:sldMk cId="2669345787" sldId="262"/>
+            <ac:picMk id="6" creationId="{0694850E-EE9B-9984-85B5-A6BEC31E7BF9}"/>
+          </ac:picMkLst>
+        </pc:picChg>
+        <pc:picChg chg="add mod">
+          <ac:chgData name="orlando bohrer" userId="6516a393efc9cfb3" providerId="LiveId" clId="{0E42CAE1-F7F5-4FB3-BD0A-CF690EFE2867}" dt="2022-12-05T11:52:14.769" v="458" actId="14100"/>
+          <ac:picMkLst>
+            <pc:docMk/>
+            <pc:sldMk cId="2669345787" sldId="262"/>
+            <ac:picMk id="8" creationId="{FFE395EF-706E-26CF-A43E-2B4C1C3B8AE4}"/>
+          </ac:picMkLst>
+        </pc:picChg>
+      </pc:sldChg>
+      <pc:sldChg chg="new del">
+        <pc:chgData name="orlando bohrer" userId="6516a393efc9cfb3" providerId="LiveId" clId="{0E42CAE1-F7F5-4FB3-BD0A-CF690EFE2867}" dt="2022-11-28T12:45:14.459" v="394" actId="2696"/>
+        <pc:sldMkLst>
+          <pc:docMk/>
+          <pc:sldMk cId="2832732638" sldId="262"/>
+        </pc:sldMkLst>
       </pc:sldChg>
       <pc:sldMasterChg chg="setBg modSldLayout">
         <pc:chgData name="orlando bohrer" userId="6516a393efc9cfb3" providerId="LiveId" clId="{0E42CAE1-F7F5-4FB3-BD0A-CF690EFE2867}" dt="2022-11-24T10:01:58.512" v="108"/>
@@ -568,7 +691,7 @@
           <a:p>
             <a:fld id="{F6CCBF3A-D7FB-4B97-8FD5-6FFB20CB1E84}" type="datetimeFigureOut">
               <a:rPr lang="en-US" smtClean="0"/>
-              <a:t>11/24/2022</a:t>
+              <a:t>12/5/2022</a:t>
             </a:fld>
             <a:endParaRPr lang="en-US"/>
           </a:p>
@@ -809,7 +932,7 @@
           <a:p>
             <a:fld id="{F6CCBF3A-D7FB-4B97-8FD5-6FFB20CB1E84}" type="datetimeFigureOut">
               <a:rPr lang="en-US" smtClean="0"/>
-              <a:t>11/24/2022</a:t>
+              <a:t>12/5/2022</a:t>
             </a:fld>
             <a:endParaRPr lang="en-US"/>
           </a:p>
@@ -1018,7 +1141,7 @@
           <a:p>
             <a:fld id="{F6CCBF3A-D7FB-4B97-8FD5-6FFB20CB1E84}" type="datetimeFigureOut">
               <a:rPr lang="en-US" smtClean="0"/>
-              <a:t>11/24/2022</a:t>
+              <a:t>12/5/2022</a:t>
             </a:fld>
             <a:endParaRPr lang="en-US"/>
           </a:p>
@@ -1260,7 +1383,7 @@
           <a:p>
             <a:fld id="{F6CCBF3A-D7FB-4B97-8FD5-6FFB20CB1E84}" type="datetimeFigureOut">
               <a:rPr lang="en-US" smtClean="0"/>
-              <a:t>11/24/2022</a:t>
+              <a:t>12/5/2022</a:t>
             </a:fld>
             <a:endParaRPr lang="en-US"/>
           </a:p>
@@ -1538,7 +1661,7 @@
           <a:p>
             <a:fld id="{F6CCBF3A-D7FB-4B97-8FD5-6FFB20CB1E84}" type="datetimeFigureOut">
               <a:rPr lang="en-US" smtClean="0"/>
-              <a:t>11/24/2022</a:t>
+              <a:t>12/5/2022</a:t>
             </a:fld>
             <a:endParaRPr lang="en-US"/>
           </a:p>
@@ -1804,7 +1927,7 @@
           <a:p>
             <a:fld id="{F6CCBF3A-D7FB-4B97-8FD5-6FFB20CB1E84}" type="datetimeFigureOut">
               <a:rPr lang="en-US" smtClean="0"/>
-              <a:t>11/24/2022</a:t>
+              <a:t>12/5/2022</a:t>
             </a:fld>
             <a:endParaRPr lang="en-US"/>
           </a:p>
@@ -2217,7 +2340,7 @@
           <a:p>
             <a:fld id="{F6CCBF3A-D7FB-4B97-8FD5-6FFB20CB1E84}" type="datetimeFigureOut">
               <a:rPr lang="en-US" smtClean="0"/>
-              <a:t>11/24/2022</a:t>
+              <a:t>12/5/2022</a:t>
             </a:fld>
             <a:endParaRPr lang="en-US"/>
           </a:p>
@@ -2364,7 +2487,7 @@
           <a:p>
             <a:fld id="{F6CCBF3A-D7FB-4B97-8FD5-6FFB20CB1E84}" type="datetimeFigureOut">
               <a:rPr lang="en-US" smtClean="0"/>
-              <a:t>11/24/2022</a:t>
+              <a:t>12/5/2022</a:t>
             </a:fld>
             <a:endParaRPr lang="en-US"/>
           </a:p>
@@ -2477,7 +2600,7 @@
           <a:p>
             <a:fld id="{F6CCBF3A-D7FB-4B97-8FD5-6FFB20CB1E84}" type="datetimeFigureOut">
               <a:rPr lang="en-US" smtClean="0"/>
-              <a:t>11/24/2022</a:t>
+              <a:t>12/5/2022</a:t>
             </a:fld>
             <a:endParaRPr lang="en-US"/>
           </a:p>
@@ -2789,7 +2912,7 @@
           <a:p>
             <a:fld id="{F6CCBF3A-D7FB-4B97-8FD5-6FFB20CB1E84}" type="datetimeFigureOut">
               <a:rPr lang="en-US" smtClean="0"/>
-              <a:t>11/24/2022</a:t>
+              <a:t>12/5/2022</a:t>
             </a:fld>
             <a:endParaRPr lang="en-US"/>
           </a:p>
@@ -3124,7 +3247,7 @@
           <a:p>
             <a:fld id="{F6CCBF3A-D7FB-4B97-8FD5-6FFB20CB1E84}" type="datetimeFigureOut">
               <a:rPr lang="en-US" smtClean="0"/>
-              <a:t>11/24/2022</a:t>
+              <a:t>12/5/2022</a:t>
             </a:fld>
             <a:endParaRPr lang="en-US"/>
           </a:p>
@@ -3413,7 +3536,7 @@
           <a:p>
             <a:fld id="{F6CCBF3A-D7FB-4B97-8FD5-6FFB20CB1E84}" type="datetimeFigureOut">
               <a:rPr lang="en-US" smtClean="0"/>
-              <a:t>11/24/2022</a:t>
+              <a:t>12/5/2022</a:t>
             </a:fld>
             <a:endParaRPr lang="en-US"/>
           </a:p>
@@ -3994,7 +4117,7 @@
         </p:blipFill>
         <p:spPr>
           <a:xfrm>
-            <a:off x="-1" y="10"/>
+            <a:off x="-1" y="0"/>
             <a:ext cx="12192001" cy="4201449"/>
           </a:xfrm>
           <a:prstGeom prst="rect">
@@ -7380,6 +7503,20 @@
                 <a:latin typeface="Arial" panose="020B0604020202020204" pitchFamily="34" charset="0"/>
                 <a:cs typeface="Arial" panose="020B0604020202020204" pitchFamily="34" charset="0"/>
               </a:rPr>
+              <a:t>Obiettivo</a:t>
+            </a:r>
+            <a:endParaRPr lang="it-CH" i="0" dirty="0">
+              <a:latin typeface="Arial" panose="020B0604020202020204" pitchFamily="34" charset="0"/>
+              <a:cs typeface="Arial" panose="020B0604020202020204" pitchFamily="34" charset="0"/>
+            </a:endParaRPr>
+          </a:p>
+          <a:p>
+            <a:pPr lvl="1"/>
+            <a:r>
+              <a:rPr lang="it-CH" dirty="0">
+                <a:latin typeface="Arial" panose="020B0604020202020204" pitchFamily="34" charset="0"/>
+                <a:cs typeface="Arial" panose="020B0604020202020204" pitchFamily="34" charset="0"/>
+              </a:rPr>
               <a:t>Ottenere il percorso di tempo minimo</a:t>
             </a:r>
           </a:p>
@@ -7420,7 +7557,7 @@
           <p:cNvPr id="2" name="Titolo 1">
             <a:extLst>
               <a:ext uri="{FF2B5EF4-FFF2-40B4-BE49-F238E27FC236}">
-                <a16:creationId xmlns:a16="http://schemas.microsoft.com/office/drawing/2014/main" id="{879831E4-11E3-5912-4DA5-3877ED87C2C8}"/>
+                <a16:creationId xmlns:a16="http://schemas.microsoft.com/office/drawing/2014/main" id="{0BC7397E-EBB5-0CE0-CAE7-CD73AE7C63AC}"/>
               </a:ext>
             </a:extLst>
           </p:cNvPr>
@@ -7438,21 +7575,25 @@
           <a:p>
             <a:pPr algn="ctr"/>
             <a:r>
-              <a:rPr lang="it-CH" dirty="0">
+              <a:rPr lang="it-IT" dirty="0">
                 <a:latin typeface="Arial" panose="020B0604020202020204" pitchFamily="34" charset="0"/>
                 <a:cs typeface="Arial" panose="020B0604020202020204" pitchFamily="34" charset="0"/>
               </a:rPr>
               <a:t>Esempio</a:t>
             </a:r>
+            <a:endParaRPr lang="it-CH" dirty="0">
+              <a:latin typeface="Arial" panose="020B0604020202020204" pitchFamily="34" charset="0"/>
+              <a:cs typeface="Arial" panose="020B0604020202020204" pitchFamily="34" charset="0"/>
+            </a:endParaRPr>
           </a:p>
         </p:txBody>
       </p:sp>
       <p:pic>
         <p:nvPicPr>
-          <p:cNvPr id="13" name="Segnaposto contenuto 12" descr="Immagine che contiene testo&#10;&#10;Descrizione generata automaticamente">
-            <a:extLst>
-              <a:ext uri="{FF2B5EF4-FFF2-40B4-BE49-F238E27FC236}">
-                <a16:creationId xmlns:a16="http://schemas.microsoft.com/office/drawing/2014/main" id="{E7C584B7-5B23-18D8-A202-29EC7B46159E}"/>
+          <p:cNvPr id="6" name="Segnaposto contenuto 5" descr="Immagine che contiene testo&#10;&#10;Descrizione generata automaticamente">
+            <a:extLst>
+              <a:ext uri="{FF2B5EF4-FFF2-40B4-BE49-F238E27FC236}">
+                <a16:creationId xmlns:a16="http://schemas.microsoft.com/office/drawing/2014/main" id="{0694850E-EE9B-9984-85B5-A6BEC31E7BF9}"/>
               </a:ext>
             </a:extLst>
           </p:cNvPr>
@@ -7477,53 +7618,17 @@
         </p:blipFill>
         <p:spPr>
           <a:xfrm>
-            <a:off x="838200" y="2009147"/>
-            <a:ext cx="4170075" cy="1917789"/>
+            <a:off x="838200" y="2373538"/>
+            <a:ext cx="4590029" cy="2110923"/>
           </a:xfrm>
         </p:spPr>
       </p:pic>
       <p:pic>
         <p:nvPicPr>
-          <p:cNvPr id="17" name="Immagine 16" descr="Immagine che contiene testo, orologio&#10;&#10;Descrizione generata automaticamente">
-            <a:extLst>
-              <a:ext uri="{FF2B5EF4-FFF2-40B4-BE49-F238E27FC236}">
-                <a16:creationId xmlns:a16="http://schemas.microsoft.com/office/drawing/2014/main" id="{558A0F2C-B7CA-3256-3BDA-812D4C851E09}"/>
-              </a:ext>
-            </a:extLst>
-          </p:cNvPr>
-          <p:cNvPicPr>
-            <a:picLocks noChangeAspect="1"/>
-          </p:cNvPicPr>
-          <p:nvPr/>
-        </p:nvPicPr>
-        <p:blipFill>
-          <a:blip r:embed="rId3">
-            <a:extLst>
-              <a:ext uri="{28A0092B-C50C-407E-A947-70E740481C1C}">
-                <a14:useLocalDpi xmlns:a14="http://schemas.microsoft.com/office/drawing/2010/main" val="0"/>
-              </a:ext>
-            </a:extLst>
-          </a:blip>
-          <a:stretch>
-            <a:fillRect/>
-          </a:stretch>
-        </p:blipFill>
-        <p:spPr>
-          <a:xfrm>
-            <a:off x="7183725" y="2030163"/>
-            <a:ext cx="4170075" cy="3942359"/>
-          </a:xfrm>
-          <a:prstGeom prst="rect">
-            <a:avLst/>
-          </a:prstGeom>
-        </p:spPr>
-      </p:pic>
-      <p:pic>
-        <p:nvPicPr>
-          <p:cNvPr id="21" name="Segnaposto contenuto 20" descr="Immagine che contiene testo&#10;&#10;Descrizione generata automaticamente">
-            <a:extLst>
-              <a:ext uri="{FF2B5EF4-FFF2-40B4-BE49-F238E27FC236}">
-                <a16:creationId xmlns:a16="http://schemas.microsoft.com/office/drawing/2014/main" id="{6FB3E3A3-047E-EAB3-47C7-3EEA59A2A0DC}"/>
+          <p:cNvPr id="8" name="Segnaposto contenuto 7" descr="Immagine che contiene testo, orologio&#10;&#10;Descrizione generata automaticamente">
+            <a:extLst>
+              <a:ext uri="{FF2B5EF4-FFF2-40B4-BE49-F238E27FC236}">
+                <a16:creationId xmlns:a16="http://schemas.microsoft.com/office/drawing/2014/main" id="{FFE395EF-706E-26CF-A43E-2B4C1C3B8AE4}"/>
               </a:ext>
             </a:extLst>
           </p:cNvPr>
@@ -7535,7 +7640,7 @@
           </p:nvPr>
         </p:nvPicPr>
         <p:blipFill>
-          <a:blip r:embed="rId4">
+          <a:blip r:embed="rId3">
             <a:extLst>
               <a:ext uri="{28A0092B-C50C-407E-A947-70E740481C1C}">
                 <a14:useLocalDpi xmlns:a14="http://schemas.microsoft.com/office/drawing/2010/main" val="0"/>
@@ -7548,15 +7653,15 @@
         </p:blipFill>
         <p:spPr>
           <a:xfrm>
-            <a:off x="838200" y="4304735"/>
-            <a:ext cx="4170074" cy="1968275"/>
+            <a:off x="6763773" y="2373537"/>
+            <a:ext cx="3341280" cy="3158822"/>
           </a:xfrm>
         </p:spPr>
       </p:pic>
     </p:spTree>
     <p:extLst>
       <p:ext uri="{BB962C8B-B14F-4D97-AF65-F5344CB8AC3E}">
-        <p14:creationId xmlns:p14="http://schemas.microsoft.com/office/powerpoint/2010/main" val="1661208922"/>
+        <p14:creationId xmlns:p14="http://schemas.microsoft.com/office/powerpoint/2010/main" val="2669345787"/>
       </p:ext>
     </p:extLst>
   </p:cSld>
@@ -7610,7 +7715,7 @@
                 <a:latin typeface="Arial" panose="020B0604020202020204" pitchFamily="34" charset="0"/>
                 <a:cs typeface="Arial" panose="020B0604020202020204" pitchFamily="34" charset="0"/>
               </a:rPr>
-              <a:t>Procedimento</a:t>
+              <a:t>Procedimento 1</a:t>
             </a:r>
           </a:p>
         </p:txBody>
@@ -7681,7 +7786,7 @@
                 <a:latin typeface="Arial" panose="020B0604020202020204" pitchFamily="34" charset="0"/>
                 <a:cs typeface="Arial" panose="020B0604020202020204" pitchFamily="34" charset="0"/>
               </a:rPr>
-              <a:t>Ripetere ricorsivamente</a:t>
+              <a:t>Ripetere</a:t>
             </a:r>
           </a:p>
           <a:p>
@@ -7795,36 +7900,46 @@
                 <a:latin typeface="Arial" panose="020B0604020202020204" pitchFamily="34" charset="0"/>
                 <a:cs typeface="Arial" panose="020B0604020202020204" pitchFamily="34" charset="0"/>
               </a:rPr>
-              <a:t>Procedimento</a:t>
+              <a:t>Flowchart</a:t>
             </a:r>
           </a:p>
         </p:txBody>
       </p:sp>
-      <p:sp>
-        <p:nvSpPr>
-          <p:cNvPr id="3" name="Segnaposto contenuto 2">
-            <a:extLst>
-              <a:ext uri="{FF2B5EF4-FFF2-40B4-BE49-F238E27FC236}">
-                <a16:creationId xmlns:a16="http://schemas.microsoft.com/office/drawing/2014/main" id="{0E178E53-DB48-D275-D32D-38901853E702}"/>
-              </a:ext>
-            </a:extLst>
-          </p:cNvPr>
-          <p:cNvSpPr>
-            <a:spLocks noGrp="1"/>
-          </p:cNvSpPr>
+      <p:pic>
+        <p:nvPicPr>
+          <p:cNvPr id="10" name="Segnaposto contenuto 9">
+            <a:extLst>
+              <a:ext uri="{FF2B5EF4-FFF2-40B4-BE49-F238E27FC236}">
+                <a16:creationId xmlns:a16="http://schemas.microsoft.com/office/drawing/2014/main" id="{33AED500-2F01-6F03-FFF4-FFA78BEA07A2}"/>
+              </a:ext>
+            </a:extLst>
+          </p:cNvPr>
+          <p:cNvPicPr>
+            <a:picLocks noGrp="1" noChangeAspect="1"/>
+          </p:cNvPicPr>
           <p:nvPr>
             <p:ph idx="1"/>
           </p:nvPr>
-        </p:nvSpPr>
-        <p:spPr/>
-        <p:txBody>
-          <a:bodyPr/>
-          <a:lstStyle/>
-          <a:p>
-            <a:endParaRPr lang="it-CH"/>
-          </a:p>
-        </p:txBody>
-      </p:sp>
+        </p:nvPicPr>
+        <p:blipFill>
+          <a:blip r:embed="rId2">
+            <a:extLst>
+              <a:ext uri="{28A0092B-C50C-407E-A947-70E740481C1C}">
+                <a14:useLocalDpi xmlns:a14="http://schemas.microsoft.com/office/drawing/2010/main" val="0"/>
+              </a:ext>
+            </a:extLst>
+          </a:blip>
+          <a:stretch>
+            <a:fillRect/>
+          </a:stretch>
+        </p:blipFill>
+        <p:spPr>
+          <a:xfrm>
+            <a:off x="3602303" y="2062163"/>
+            <a:ext cx="4987393" cy="4114800"/>
+          </a:xfrm>
+        </p:spPr>
+      </p:pic>
     </p:spTree>
     <p:extLst>
       <p:ext uri="{BB962C8B-B14F-4D97-AF65-F5344CB8AC3E}">
@@ -7882,7 +7997,7 @@
                 <a:latin typeface="Arial" panose="020B0604020202020204" pitchFamily="34" charset="0"/>
                 <a:cs typeface="Arial" panose="020B0604020202020204" pitchFamily="34" charset="0"/>
               </a:rPr>
-              <a:t>Codice</a:t>
+              <a:t>Procedimento 2</a:t>
             </a:r>
           </a:p>
         </p:txBody>
@@ -7908,7 +8023,61 @@
           <a:bodyPr/>
           <a:lstStyle/>
           <a:p>
-            <a:endParaRPr lang="it-CH"/>
+            <a:r>
+              <a:rPr lang="it-CH" dirty="0">
+                <a:latin typeface="Arial" panose="020B0604020202020204" pitchFamily="34" charset="0"/>
+                <a:cs typeface="Arial" panose="020B0604020202020204" pitchFamily="34" charset="0"/>
+              </a:rPr>
+              <a:t>Idea:</a:t>
+            </a:r>
+          </a:p>
+          <a:p>
+            <a:pPr lvl="1"/>
+            <a:r>
+              <a:rPr lang="it-CH" i="0" dirty="0">
+                <a:latin typeface="Arial" panose="020B0604020202020204" pitchFamily="34" charset="0"/>
+                <a:cs typeface="Arial" panose="020B0604020202020204" pitchFamily="34" charset="0"/>
+              </a:rPr>
+              <a:t> </a:t>
+            </a:r>
+          </a:p>
+          <a:p>
+            <a:r>
+              <a:rPr lang="it-CH" dirty="0">
+                <a:latin typeface="Arial" panose="020B0604020202020204" pitchFamily="34" charset="0"/>
+                <a:cs typeface="Arial" panose="020B0604020202020204" pitchFamily="34" charset="0"/>
+              </a:rPr>
+              <a:t>Vantaggi:</a:t>
+            </a:r>
+          </a:p>
+          <a:p>
+            <a:pPr lvl="1"/>
+            <a:r>
+              <a:rPr lang="it-CH" i="0" dirty="0">
+                <a:latin typeface="Arial" panose="020B0604020202020204" pitchFamily="34" charset="0"/>
+                <a:cs typeface="Arial" panose="020B0604020202020204" pitchFamily="34" charset="0"/>
+              </a:rPr>
+              <a:t>Approccio esatto</a:t>
+            </a:r>
+          </a:p>
+          <a:p>
+            <a:r>
+              <a:rPr lang="it-CH" dirty="0">
+                <a:latin typeface="Arial" panose="020B0604020202020204" pitchFamily="34" charset="0"/>
+                <a:cs typeface="Arial" panose="020B0604020202020204" pitchFamily="34" charset="0"/>
+              </a:rPr>
+              <a:t>Svantaggi</a:t>
+            </a:r>
+          </a:p>
+          <a:p>
+            <a:pPr lvl="1"/>
+            <a:r>
+              <a:rPr lang="it-CH" i="0" dirty="0">
+                <a:latin typeface="Arial" panose="020B0604020202020204" pitchFamily="34" charset="0"/>
+                <a:cs typeface="Arial" panose="020B0604020202020204" pitchFamily="34" charset="0"/>
+              </a:rPr>
+              <a:t>Codice più complicato</a:t>
+            </a:r>
           </a:p>
         </p:txBody>
       </p:sp>
